--- a/2019-06-06 - vmug presentation - vsphere 65-7 migration progress - Philadelphia VMUG - anonymized.pptx
+++ b/2019-06-06 - vmug presentation - vsphere 65-7 migration progress - Philadelphia VMUG - anonymized.pptx
@@ -5,7 +5,7 @@
     <p:sldMasterId id="2147483648" r:id="rId1"/>
   </p:sldMasterIdLst>
   <p:notesMasterIdLst>
-    <p:notesMasterId r:id="rId12"/>
+    <p:notesMasterId r:id="rId13"/>
   </p:notesMasterIdLst>
   <p:sldIdLst>
     <p:sldId id="268" r:id="rId2"/>
@@ -17,7 +17,8 @@
     <p:sldId id="267" r:id="rId8"/>
     <p:sldId id="262" r:id="rId9"/>
     <p:sldId id="263" r:id="rId10"/>
-    <p:sldId id="264" r:id="rId11"/>
+    <p:sldId id="270" r:id="rId11"/>
+    <p:sldId id="264" r:id="rId12"/>
   </p:sldIdLst>
   <p:sldSz cx="9144000" cy="6858000" type="screen4x3"/>
   <p:notesSz cx="9144000" cy="6858000"/>
@@ -231,7 +232,7 @@
           <a:p>
             <a:fld id="{B80BB99E-1D66-4200-8844-9F9896EA3CD7}" type="datetimeFigureOut">
               <a:rPr lang="en-US" smtClean="0"/>
-              <a:t>04-25-2019</a:t>
+              <a:t>06-06-2019</a:t>
             </a:fld>
             <a:endParaRPr lang="en-US"/>
           </a:p>
@@ -588,11 +589,7 @@
           <a:p>
             <a:r>
               <a:rPr lang="en-US" baseline="0" dirty="0" smtClean="0"/>
-              <a:t>In the IT Industry for </a:t>
-            </a:r>
-            <a:r>
-              <a:rPr lang="en-US" baseline="0" dirty="0" smtClean="0"/>
-              <a:t>~20 years</a:t>
+              <a:t>In the IT Industry for ~20 years</a:t>
             </a:r>
             <a:endParaRPr lang="en-US" dirty="0"/>
           </a:p>
@@ -678,75 +675,15 @@
           <a:bodyPr/>
           <a:lstStyle/>
           <a:p>
-            <a:pPr marL="0" indent="0" algn="l">
-              <a:buNone/>
-            </a:pPr>
-            <a:r>
-              <a:rPr lang="en-US" sz="1200" dirty="0" smtClean="0">
-                <a:solidFill>
-                  <a:schemeClr val="bg1"/>
-                </a:solidFill>
-              </a:rPr>
-              <a:t>Contact</a:t>
-            </a:r>
-            <a:r>
-              <a:rPr lang="en-US" sz="1200" baseline="0" dirty="0" smtClean="0">
-                <a:solidFill>
-                  <a:schemeClr val="bg1"/>
-                </a:solidFill>
-              </a:rPr>
-              <a:t> me:</a:t>
-            </a:r>
-          </a:p>
-          <a:p>
-            <a:pPr marL="0" indent="0" algn="l">
-              <a:buNone/>
-            </a:pPr>
-            <a:r>
-              <a:rPr lang="en-US" sz="1200" baseline="0" dirty="0" smtClean="0">
-                <a:solidFill>
-                  <a:schemeClr val="bg1"/>
-                </a:solidFill>
-              </a:rPr>
-              <a:t>…i</a:t>
-            </a:r>
-            <a:r>
-              <a:rPr lang="en-US" sz="1200" dirty="0" smtClean="0">
-                <a:solidFill>
-                  <a:schemeClr val="bg1"/>
-                </a:solidFill>
-              </a:rPr>
-              <a:t>f you like me, and even if you don’t.</a:t>
+            <a:r>
+              <a:rPr lang="en-US" sz="1200" dirty="0" smtClean="0"/>
+              <a:t>Project</a:t>
+            </a:r>
+            <a:r>
+              <a:rPr lang="en-US" sz="1200" baseline="0" dirty="0" smtClean="0"/>
+              <a:t> Manager helps YOU out</a:t>
             </a:r>
             <a:endParaRPr lang="en-US" sz="1200" dirty="0" smtClean="0"/>
-          </a:p>
-          <a:p>
-            <a:pPr marL="0" indent="0" algn="l">
-              <a:buNone/>
-            </a:pPr>
-            <a:endParaRPr lang="en-US" sz="1200" dirty="0" smtClean="0"/>
-          </a:p>
-          <a:p>
-            <a:pPr marL="0" indent="0" algn="l">
-              <a:buNone/>
-            </a:pPr>
-            <a:r>
-              <a:rPr lang="en-US" sz="1200" dirty="0" smtClean="0"/>
-              <a:t>Programming;</a:t>
-            </a:r>
-          </a:p>
-          <a:p>
-            <a:pPr marL="0" indent="0" algn="l">
-              <a:buNone/>
-            </a:pPr>
-            <a:r>
-              <a:rPr lang="en-US" sz="1200" dirty="0" smtClean="0"/>
-              <a:t>I can put a puzzle together, but don’t ask me to create the puzzle pieces.</a:t>
-            </a:r>
-          </a:p>
-          <a:p>
-            <a:pPr algn="l"/>
-            <a:endParaRPr lang="en-US" dirty="0"/>
           </a:p>
         </p:txBody>
       </p:sp>
@@ -768,6 +705,158 @@
             <a:fld id="{39891E38-CD89-40A6-B358-163BACC28E92}" type="slidenum">
               <a:rPr lang="en-US" smtClean="0"/>
               <a:t>10</a:t>
+            </a:fld>
+            <a:endParaRPr lang="en-US"/>
+          </a:p>
+        </p:txBody>
+      </p:sp>
+    </p:spTree>
+    <p:extLst>
+      <p:ext uri="{BB962C8B-B14F-4D97-AF65-F5344CB8AC3E}">
+        <p14:creationId xmlns:p14="http://schemas.microsoft.com/office/powerpoint/2010/main" val="955437964"/>
+      </p:ext>
+    </p:extLst>
+  </p:cSld>
+  <p:clrMapOvr>
+    <a:masterClrMapping/>
+  </p:clrMapOvr>
+</p:notes>
+</file>
+
+<file path=ppt/notesSlides/notesSlide11.xml><?xml version="1.0" encoding="utf-8"?>
+<p:notes xmlns:a="http://schemas.openxmlformats.org/drawingml/2006/main" xmlns:r="http://schemas.openxmlformats.org/officeDocument/2006/relationships" xmlns:p="http://schemas.openxmlformats.org/presentationml/2006/main">
+  <p:cSld>
+    <p:spTree>
+      <p:nvGrpSpPr>
+        <p:cNvPr id="1" name=""/>
+        <p:cNvGrpSpPr/>
+        <p:nvPr/>
+      </p:nvGrpSpPr>
+      <p:grpSpPr>
+        <a:xfrm>
+          <a:off x="0" y="0"/>
+          <a:ext cx="0" cy="0"/>
+          <a:chOff x="0" y="0"/>
+          <a:chExt cx="0" cy="0"/>
+        </a:xfrm>
+      </p:grpSpPr>
+      <p:sp>
+        <p:nvSpPr>
+          <p:cNvPr id="2" name="Slide Image Placeholder 1"/>
+          <p:cNvSpPr>
+            <a:spLocks noGrp="1" noRot="1" noChangeAspect="1"/>
+          </p:cNvSpPr>
+          <p:nvPr>
+            <p:ph type="sldImg"/>
+          </p:nvPr>
+        </p:nvSpPr>
+        <p:spPr/>
+      </p:sp>
+      <p:sp>
+        <p:nvSpPr>
+          <p:cNvPr id="3" name="Notes Placeholder 2"/>
+          <p:cNvSpPr>
+            <a:spLocks noGrp="1"/>
+          </p:cNvSpPr>
+          <p:nvPr>
+            <p:ph type="body" idx="1"/>
+          </p:nvPr>
+        </p:nvSpPr>
+        <p:spPr/>
+        <p:txBody>
+          <a:bodyPr/>
+          <a:lstStyle/>
+          <a:p>
+            <a:pPr marL="0" indent="0" algn="l">
+              <a:buNone/>
+            </a:pPr>
+            <a:r>
+              <a:rPr lang="en-US" sz="1200" dirty="0" smtClean="0">
+                <a:solidFill>
+                  <a:schemeClr val="bg1"/>
+                </a:solidFill>
+              </a:rPr>
+              <a:t>Contact</a:t>
+            </a:r>
+            <a:r>
+              <a:rPr lang="en-US" sz="1200" baseline="0" dirty="0" smtClean="0">
+                <a:solidFill>
+                  <a:schemeClr val="bg1"/>
+                </a:solidFill>
+              </a:rPr>
+              <a:t> me:</a:t>
+            </a:r>
+          </a:p>
+          <a:p>
+            <a:pPr marL="0" indent="0" algn="l">
+              <a:buNone/>
+            </a:pPr>
+            <a:r>
+              <a:rPr lang="en-US" sz="1200" baseline="0" dirty="0" smtClean="0">
+                <a:solidFill>
+                  <a:schemeClr val="bg1"/>
+                </a:solidFill>
+              </a:rPr>
+              <a:t>…i</a:t>
+            </a:r>
+            <a:r>
+              <a:rPr lang="en-US" sz="1200" dirty="0" smtClean="0">
+                <a:solidFill>
+                  <a:schemeClr val="bg1"/>
+                </a:solidFill>
+              </a:rPr>
+              <a:t>f you like me, and even if you don’t.</a:t>
+            </a:r>
+            <a:endParaRPr lang="en-US" sz="1200" dirty="0" smtClean="0"/>
+          </a:p>
+          <a:p>
+            <a:pPr marL="0" indent="0" algn="l">
+              <a:buNone/>
+            </a:pPr>
+            <a:endParaRPr lang="en-US" sz="1200" dirty="0" smtClean="0"/>
+          </a:p>
+          <a:p>
+            <a:pPr marL="0" indent="0" algn="l">
+              <a:buNone/>
+            </a:pPr>
+            <a:r>
+              <a:rPr lang="en-US" sz="1200" dirty="0" smtClean="0"/>
+              <a:t>Programming;</a:t>
+            </a:r>
+          </a:p>
+          <a:p>
+            <a:pPr marL="0" indent="0" algn="l">
+              <a:buNone/>
+            </a:pPr>
+            <a:r>
+              <a:rPr lang="en-US" sz="1200" dirty="0" smtClean="0"/>
+              <a:t>I can put a puzzle together, but don’t ask me to create the puzzle pieces.</a:t>
+            </a:r>
+          </a:p>
+          <a:p>
+            <a:pPr algn="l"/>
+            <a:endParaRPr lang="en-US" dirty="0"/>
+          </a:p>
+        </p:txBody>
+      </p:sp>
+      <p:sp>
+        <p:nvSpPr>
+          <p:cNvPr id="4" name="Slide Number Placeholder 3"/>
+          <p:cNvSpPr>
+            <a:spLocks noGrp="1"/>
+          </p:cNvSpPr>
+          <p:nvPr>
+            <p:ph type="sldNum" sz="quarter" idx="10"/>
+          </p:nvPr>
+        </p:nvSpPr>
+        <p:spPr/>
+        <p:txBody>
+          <a:bodyPr/>
+          <a:lstStyle/>
+          <a:p>
+            <a:fld id="{39891E38-CD89-40A6-B358-163BACC28E92}" type="slidenum">
+              <a:rPr lang="en-US" smtClean="0"/>
+              <a:t>11</a:t>
             </a:fld>
             <a:endParaRPr lang="en-US"/>
           </a:p>
@@ -875,11 +964,7 @@
           <a:p>
             <a:r>
               <a:rPr lang="en-US" baseline="0" dirty="0" smtClean="0"/>
-              <a:t>In the IT Industry for </a:t>
-            </a:r>
-            <a:r>
-              <a:rPr lang="en-US" baseline="0" dirty="0" smtClean="0"/>
-              <a:t>~20 years</a:t>
+              <a:t>In the IT Industry for ~20 years</a:t>
             </a:r>
             <a:endParaRPr lang="en-US" dirty="0"/>
           </a:p>
@@ -2565,7 +2650,7 @@
             <a:fld id="{53074F12-AA26-4AC8-9962-C36BB8F32554}" type="datetimeFigureOut">
               <a:rPr lang="en-US" smtClean="0"/>
               <a:pPr/>
-              <a:t>04-25-2019</a:t>
+              <a:t>06-06-2019</a:t>
             </a:fld>
             <a:endParaRPr lang="en-US"/>
           </a:p>
@@ -2820,7 +2905,7 @@
             <a:fld id="{53074F12-AA26-4AC8-9962-C36BB8F32554}" type="datetimeFigureOut">
               <a:rPr lang="en-US" smtClean="0"/>
               <a:pPr/>
-              <a:t>04-25-2019</a:t>
+              <a:t>06-06-2019</a:t>
             </a:fld>
             <a:endParaRPr lang="en-US"/>
           </a:p>
@@ -2992,7 +3077,7 @@
             <a:fld id="{53074F12-AA26-4AC8-9962-C36BB8F32554}" type="datetimeFigureOut">
               <a:rPr lang="en-US" smtClean="0"/>
               <a:pPr/>
-              <a:t>04-25-2019</a:t>
+              <a:t>06-06-2019</a:t>
             </a:fld>
             <a:endParaRPr lang="en-US"/>
           </a:p>
@@ -3174,7 +3259,7 @@
             <a:fld id="{53074F12-AA26-4AC8-9962-C36BB8F32554}" type="datetimeFigureOut">
               <a:rPr lang="en-US" smtClean="0"/>
               <a:pPr/>
-              <a:t>04-25-2019</a:t>
+              <a:t>06-06-2019</a:t>
             </a:fld>
             <a:endParaRPr lang="en-US"/>
           </a:p>
@@ -3402,7 +3487,7 @@
             <a:fld id="{53074F12-AA26-4AC8-9962-C36BB8F32554}" type="datetimeFigureOut">
               <a:rPr lang="en-US" smtClean="0"/>
               <a:pPr/>
-              <a:t>04-25-2019</a:t>
+              <a:t>06-06-2019</a:t>
             </a:fld>
             <a:endParaRPr lang="en-US"/>
           </a:p>
@@ -3630,7 +3715,7 @@
             <a:fld id="{53074F12-AA26-4AC8-9962-C36BB8F32554}" type="datetimeFigureOut">
               <a:rPr lang="en-US" smtClean="0"/>
               <a:pPr/>
-              <a:t>04-25-2019</a:t>
+              <a:t>06-06-2019</a:t>
             </a:fld>
             <a:endParaRPr lang="en-US"/>
           </a:p>
@@ -3878,7 +3963,7 @@
             <a:fld id="{53074F12-AA26-4AC8-9962-C36BB8F32554}" type="datetimeFigureOut">
               <a:rPr lang="en-US" smtClean="0"/>
               <a:pPr/>
-              <a:t>04-25-2019</a:t>
+              <a:t>06-06-2019</a:t>
             </a:fld>
             <a:endParaRPr lang="en-US"/>
           </a:p>
@@ -4173,7 +4258,7 @@
             <a:fld id="{53074F12-AA26-4AC8-9962-C36BB8F32554}" type="datetimeFigureOut">
               <a:rPr lang="en-US" smtClean="0"/>
               <a:pPr/>
-              <a:t>04-25-2019</a:t>
+              <a:t>06-06-2019</a:t>
             </a:fld>
             <a:endParaRPr lang="en-US"/>
           </a:p>
@@ -4656,7 +4741,7 @@
             <a:fld id="{53074F12-AA26-4AC8-9962-C36BB8F32554}" type="datetimeFigureOut">
               <a:rPr lang="en-US" smtClean="0"/>
               <a:pPr/>
-              <a:t>04-25-2019</a:t>
+              <a:t>06-06-2019</a:t>
             </a:fld>
             <a:endParaRPr lang="en-US"/>
           </a:p>
@@ -4776,7 +4861,7 @@
             <a:fld id="{53074F12-AA26-4AC8-9962-C36BB8F32554}" type="datetimeFigureOut">
               <a:rPr lang="en-US" smtClean="0"/>
               <a:pPr/>
-              <a:t>04-25-2019</a:t>
+              <a:t>06-06-2019</a:t>
             </a:fld>
             <a:endParaRPr lang="en-US"/>
           </a:p>
@@ -4873,7 +4958,7 @@
             <a:fld id="{53074F12-AA26-4AC8-9962-C36BB8F32554}" type="datetimeFigureOut">
               <a:rPr lang="en-US" smtClean="0"/>
               <a:pPr/>
-              <a:t>04-25-2019</a:t>
+              <a:t>06-06-2019</a:t>
             </a:fld>
             <a:endParaRPr lang="en-US"/>
           </a:p>
@@ -5152,7 +5237,7 @@
             <a:fld id="{53074F12-AA26-4AC8-9962-C36BB8F32554}" type="datetimeFigureOut">
               <a:rPr lang="en-US" smtClean="0"/>
               <a:pPr/>
-              <a:t>04-25-2019</a:t>
+              <a:t>06-06-2019</a:t>
             </a:fld>
             <a:endParaRPr lang="en-US"/>
           </a:p>
@@ -5376,7 +5461,7 @@
             <a:fld id="{53074F12-AA26-4AC8-9962-C36BB8F32554}" type="datetimeFigureOut">
               <a:rPr lang="en-US" smtClean="0"/>
               <a:pPr/>
-              <a:t>04-25-2019</a:t>
+              <a:t>06-06-2019</a:t>
             </a:fld>
             <a:endParaRPr lang="en-US"/>
           </a:p>
@@ -5819,7 +5904,7 @@
                   <a:schemeClr val="bg1"/>
                 </a:solidFill>
               </a:rPr>
-              <a:t>Contact!</a:t>
+              <a:t>Teams!</a:t>
             </a:r>
             <a:endParaRPr lang="en-US" sz="2000" dirty="0">
               <a:solidFill>
@@ -5841,6 +5926,235 @@
         </p:nvSpPr>
         <p:spPr>
           <a:xfrm>
+            <a:off x="601670" y="985720"/>
+            <a:ext cx="8076895" cy="5650085"/>
+          </a:xfrm>
+        </p:spPr>
+        <p:txBody>
+          <a:bodyPr>
+            <a:normAutofit/>
+          </a:bodyPr>
+          <a:lstStyle/>
+          <a:p>
+            <a:pPr>
+              <a:lnSpc>
+                <a:spcPct val="90000"/>
+              </a:lnSpc>
+            </a:pPr>
+            <a:r>
+              <a:rPr lang="en-US" sz="2600" smtClean="0"/>
+              <a:t>Change Control (board)</a:t>
+            </a:r>
+            <a:endParaRPr lang="en-US" sz="2600" dirty="0" smtClean="0"/>
+          </a:p>
+          <a:p>
+            <a:pPr>
+              <a:lnSpc>
+                <a:spcPct val="90000"/>
+              </a:lnSpc>
+            </a:pPr>
+            <a:r>
+              <a:rPr lang="en-US" sz="2600" dirty="0" smtClean="0"/>
+              <a:t>Project Management</a:t>
+            </a:r>
+          </a:p>
+          <a:p>
+            <a:pPr>
+              <a:lnSpc>
+                <a:spcPct val="90000"/>
+              </a:lnSpc>
+            </a:pPr>
+            <a:r>
+              <a:rPr lang="en-US" sz="2600" dirty="0" smtClean="0"/>
+              <a:t>Network Operations Centers (Ops)</a:t>
+            </a:r>
+          </a:p>
+          <a:p>
+            <a:pPr>
+              <a:lnSpc>
+                <a:spcPct val="90000"/>
+              </a:lnSpc>
+            </a:pPr>
+            <a:r>
+              <a:rPr lang="en-US" sz="2600" dirty="0" smtClean="0"/>
+              <a:t>Direct Managers</a:t>
+            </a:r>
+          </a:p>
+          <a:p>
+            <a:pPr>
+              <a:lnSpc>
+                <a:spcPct val="90000"/>
+              </a:lnSpc>
+            </a:pPr>
+            <a:r>
+              <a:rPr lang="en-US" sz="2600" dirty="0" smtClean="0"/>
+              <a:t>VPs</a:t>
+            </a:r>
+          </a:p>
+          <a:p>
+            <a:pPr>
+              <a:lnSpc>
+                <a:spcPct val="90000"/>
+              </a:lnSpc>
+            </a:pPr>
+            <a:r>
+              <a:rPr lang="en-US" sz="2600" dirty="0" smtClean="0"/>
+              <a:t>Finance</a:t>
+            </a:r>
+          </a:p>
+          <a:p>
+            <a:pPr>
+              <a:lnSpc>
+                <a:spcPct val="90000"/>
+              </a:lnSpc>
+            </a:pPr>
+            <a:r>
+              <a:rPr lang="en-US" sz="2600" dirty="0" smtClean="0"/>
+              <a:t>Security</a:t>
+            </a:r>
+          </a:p>
+          <a:p>
+            <a:pPr>
+              <a:lnSpc>
+                <a:spcPct val="90000"/>
+              </a:lnSpc>
+            </a:pPr>
+            <a:r>
+              <a:rPr lang="en-US" sz="2600" dirty="0" smtClean="0"/>
+              <a:t>Systems Administration</a:t>
+            </a:r>
+          </a:p>
+          <a:p>
+            <a:pPr>
+              <a:lnSpc>
+                <a:spcPct val="90000"/>
+              </a:lnSpc>
+            </a:pPr>
+            <a:r>
+              <a:rPr lang="en-US" sz="2600" dirty="0" smtClean="0"/>
+              <a:t>Developers</a:t>
+            </a:r>
+          </a:p>
+          <a:p>
+            <a:pPr>
+              <a:lnSpc>
+                <a:spcPct val="90000"/>
+              </a:lnSpc>
+            </a:pPr>
+            <a:r>
+              <a:rPr lang="en-US" sz="2600" dirty="0" smtClean="0"/>
+              <a:t>Network</a:t>
+            </a:r>
+          </a:p>
+          <a:p>
+            <a:pPr>
+              <a:lnSpc>
+                <a:spcPct val="90000"/>
+              </a:lnSpc>
+            </a:pPr>
+            <a:r>
+              <a:rPr lang="en-US" sz="2600" dirty="0" smtClean="0"/>
+              <a:t>DNS</a:t>
+            </a:r>
+          </a:p>
+          <a:p>
+            <a:pPr>
+              <a:lnSpc>
+                <a:spcPct val="90000"/>
+              </a:lnSpc>
+            </a:pPr>
+            <a:endParaRPr lang="en-US" sz="2600" dirty="0" smtClean="0"/>
+          </a:p>
+        </p:txBody>
+      </p:sp>
+    </p:spTree>
+    <p:extLst>
+      <p:ext uri="{BB962C8B-B14F-4D97-AF65-F5344CB8AC3E}">
+        <p14:creationId xmlns:p14="http://schemas.microsoft.com/office/powerpoint/2010/main" val="3641949545"/>
+      </p:ext>
+    </p:extLst>
+  </p:cSld>
+  <p:clrMapOvr>
+    <a:masterClrMapping/>
+  </p:clrMapOvr>
+  <p:timing>
+    <p:tnLst>
+      <p:par>
+        <p:cTn id="1" dur="indefinite" restart="never" nodeType="tmRoot"/>
+      </p:par>
+    </p:tnLst>
+  </p:timing>
+</p:sld>
+</file>
+
+<file path=ppt/slides/slide11.xml><?xml version="1.0" encoding="utf-8"?>
+<p:sld xmlns:a="http://schemas.openxmlformats.org/drawingml/2006/main" xmlns:r="http://schemas.openxmlformats.org/officeDocument/2006/relationships" xmlns:p="http://schemas.openxmlformats.org/presentationml/2006/main">
+  <p:cSld>
+    <p:spTree>
+      <p:nvGrpSpPr>
+        <p:cNvPr id="1" name=""/>
+        <p:cNvGrpSpPr/>
+        <p:nvPr/>
+      </p:nvGrpSpPr>
+      <p:grpSpPr>
+        <a:xfrm>
+          <a:off x="0" y="0"/>
+          <a:ext cx="0" cy="0"/>
+          <a:chOff x="0" y="0"/>
+          <a:chExt cx="0" cy="0"/>
+        </a:xfrm>
+      </p:grpSpPr>
+      <p:sp>
+        <p:nvSpPr>
+          <p:cNvPr id="4" name="Title 3"/>
+          <p:cNvSpPr>
+            <a:spLocks noGrp="1"/>
+          </p:cNvSpPr>
+          <p:nvPr>
+            <p:ph type="title"/>
+          </p:nvPr>
+        </p:nvSpPr>
+        <p:spPr>
+          <a:xfrm>
+            <a:off x="448965" y="222195"/>
+            <a:ext cx="8229600" cy="532180"/>
+          </a:xfrm>
+        </p:spPr>
+        <p:txBody>
+          <a:bodyPr>
+            <a:normAutofit fontScale="90000"/>
+          </a:bodyPr>
+          <a:lstStyle/>
+          <a:p>
+            <a:pPr algn="ctr"/>
+            <a:r>
+              <a:rPr lang="en-US" dirty="0" smtClean="0">
+                <a:solidFill>
+                  <a:schemeClr val="bg1"/>
+                </a:solidFill>
+              </a:rPr>
+              <a:t>Contact!</a:t>
+            </a:r>
+            <a:endParaRPr lang="en-US" sz="2000" dirty="0">
+              <a:solidFill>
+                <a:schemeClr val="bg1"/>
+              </a:solidFill>
+            </a:endParaRPr>
+          </a:p>
+        </p:txBody>
+      </p:sp>
+      <p:sp>
+        <p:nvSpPr>
+          <p:cNvPr id="6" name="Content Placeholder 5"/>
+          <p:cNvSpPr>
+            <a:spLocks noGrp="1"/>
+          </p:cNvSpPr>
+          <p:nvPr>
+            <p:ph sz="half" idx="2"/>
+          </p:nvPr>
+        </p:nvSpPr>
+        <p:spPr>
+          <a:xfrm>
             <a:off x="618140" y="1138425"/>
             <a:ext cx="8076895" cy="5344675"/>
           </a:xfrm>
@@ -5885,15 +6199,7 @@
             </a:pPr>
             <a:r>
               <a:rPr lang="en-US" dirty="0" smtClean="0"/>
-              <a:t>I </a:t>
-            </a:r>
-            <a:r>
-              <a:rPr lang="en-US" dirty="0" smtClean="0"/>
-              <a:t>have </a:t>
-            </a:r>
-            <a:r>
-              <a:rPr lang="en-US" dirty="0" smtClean="0"/>
-              <a:t>GitHub setup!</a:t>
+              <a:t>I have GitHub setup!</a:t>
             </a:r>
           </a:p>
           <a:p>
@@ -5986,13 +6292,8 @@
             </a:r>
             <a:r>
               <a:rPr lang="en-US" sz="2600" dirty="0" smtClean="0"/>
-              <a:t> </a:t>
-            </a:r>
-            <a:r>
-              <a:rPr lang="en-US" sz="2600" dirty="0" smtClean="0"/>
-              <a:t>2018, 2019</a:t>
-            </a:r>
-            <a:endParaRPr lang="en-US" sz="2600" dirty="0" smtClean="0"/>
+              <a:t> 2018, 2019</a:t>
+            </a:r>
           </a:p>
           <a:p>
             <a:pPr marL="0" indent="0" algn="ctr">
@@ -6123,15 +6424,7 @@
                   <a:schemeClr val="bg1"/>
                 </a:solidFill>
               </a:rPr>
-              <a:t> Resources used to Migrate to VCSA </a:t>
-            </a:r>
-            <a:r>
-              <a:rPr lang="en-US" sz="4000" dirty="0" smtClean="0">
-                <a:solidFill>
-                  <a:schemeClr val="bg1"/>
-                </a:solidFill>
-              </a:rPr>
-              <a:t>6.5u1 (or 6.7!)</a:t>
+              <a:t> Resources used to Migrate to VCSA 6.5u1 (or 6.7!)</a:t>
             </a:r>
             <a:endParaRPr lang="en-US" sz="4000" dirty="0">
               <a:solidFill>
